--- a/20241128簡報.pptx
+++ b/20241128簡報.pptx
@@ -12,6 +12,9 @@
     <p:sldId id="260" r:id="rId6"/>
     <p:sldId id="261" r:id="rId7"/>
     <p:sldId id="262" r:id="rId8"/>
+    <p:sldId id="264" r:id="rId9"/>
+    <p:sldId id="263" r:id="rId10"/>
+    <p:sldId id="266" r:id="rId11"/>
   </p:sldIdLst>
   <p:sldSz cx="12192000" cy="6858000"/>
   <p:notesSz cx="6858000" cy="9144000"/>
@@ -110,6 +113,11 @@
       </a:defRPr>
     </a:lvl9pPr>
   </p:defaultTextStyle>
+  <p:extLst>
+    <p:ext uri="{EFAFB233-063F-42B5-8137-9DF3F51BA10A}">
+      <p15:sldGuideLst xmlns:p15="http://schemas.microsoft.com/office/powerpoint/2012/main"/>
+    </p:ext>
+  </p:extLst>
 </p:presentation>
 </file>
 
@@ -3452,6 +3460,393 @@
 </p:sld>
 </file>
 
+<file path=ppt/slides/slide10.xml><?xml version="1.0" encoding="utf-8"?>
+<p:sld xmlns:a="http://schemas.openxmlformats.org/drawingml/2006/main" xmlns:r="http://schemas.openxmlformats.org/officeDocument/2006/relationships" xmlns:p="http://schemas.openxmlformats.org/presentationml/2006/main">
+  <p:cSld>
+    <p:spTree>
+      <p:nvGrpSpPr>
+        <p:cNvPr id="1" name=""/>
+        <p:cNvGrpSpPr/>
+        <p:nvPr/>
+      </p:nvGrpSpPr>
+      <p:grpSpPr>
+        <a:xfrm>
+          <a:off x="0" y="0"/>
+          <a:ext cx="0" cy="0"/>
+          <a:chOff x="0" y="0"/>
+          <a:chExt cx="0" cy="0"/>
+        </a:xfrm>
+      </p:grpSpPr>
+      <p:sp>
+        <p:nvSpPr>
+          <p:cNvPr id="2" name="標題 1">
+            <a:extLst>
+              <a:ext uri="{FF2B5EF4-FFF2-40B4-BE49-F238E27FC236}">
+                <a16:creationId xmlns:a16="http://schemas.microsoft.com/office/drawing/2014/main" id="{A8241F26-B5FB-4B7E-A627-D9298C47816E}"/>
+              </a:ext>
+            </a:extLst>
+          </p:cNvPr>
+          <p:cNvSpPr>
+            <a:spLocks noGrp="1"/>
+          </p:cNvSpPr>
+          <p:nvPr>
+            <p:ph type="title"/>
+          </p:nvPr>
+        </p:nvSpPr>
+        <p:spPr/>
+        <p:txBody>
+          <a:bodyPr/>
+          <a:lstStyle/>
+          <a:p>
+            <a:endParaRPr lang="zh-TW" altLang="en-US" dirty="0"/>
+          </a:p>
+        </p:txBody>
+      </p:sp>
+      <p:pic>
+        <p:nvPicPr>
+          <p:cNvPr id="4" name="圖片 3">
+            <a:extLst>
+              <a:ext uri="{FF2B5EF4-FFF2-40B4-BE49-F238E27FC236}">
+                <a16:creationId xmlns:a16="http://schemas.microsoft.com/office/drawing/2014/main" id="{0FE8C7DF-4EA9-4A77-B29A-9C76CBE26E47}"/>
+              </a:ext>
+            </a:extLst>
+          </p:cNvPr>
+          <p:cNvPicPr>
+            <a:picLocks noChangeAspect="1"/>
+          </p:cNvPicPr>
+          <p:nvPr/>
+        </p:nvPicPr>
+        <p:blipFill>
+          <a:blip r:embed="rId2"/>
+          <a:stretch>
+            <a:fillRect/>
+          </a:stretch>
+        </p:blipFill>
+        <p:spPr>
+          <a:xfrm>
+            <a:off x="5292530" y="1690688"/>
+            <a:ext cx="5190747" cy="2748043"/>
+          </a:xfrm>
+          <a:prstGeom prst="rect">
+            <a:avLst/>
+          </a:prstGeom>
+        </p:spPr>
+      </p:pic>
+      <p:pic>
+        <p:nvPicPr>
+          <p:cNvPr id="5" name="內容版面配置區 4">
+            <a:extLst>
+              <a:ext uri="{FF2B5EF4-FFF2-40B4-BE49-F238E27FC236}">
+                <a16:creationId xmlns:a16="http://schemas.microsoft.com/office/drawing/2014/main" id="{B7F8AC92-2ADC-481F-8739-7F824E4F8E97}"/>
+              </a:ext>
+            </a:extLst>
+          </p:cNvPr>
+          <p:cNvPicPr>
+            <a:picLocks noGrp="1" noChangeAspect="1"/>
+          </p:cNvPicPr>
+          <p:nvPr>
+            <p:ph idx="1"/>
+          </p:nvPr>
+        </p:nvPicPr>
+        <p:blipFill>
+          <a:blip r:embed="rId2"/>
+          <a:stretch>
+            <a:fillRect/>
+          </a:stretch>
+        </p:blipFill>
+        <p:spPr>
+          <a:xfrm>
+            <a:off x="1931341" y="3429000"/>
+            <a:ext cx="5506218" cy="2915057"/>
+          </a:xfrm>
+          <a:prstGeom prst="rect">
+            <a:avLst/>
+          </a:prstGeom>
+        </p:spPr>
+      </p:pic>
+      <p:pic>
+        <p:nvPicPr>
+          <p:cNvPr id="6" name="圖片 5">
+            <a:extLst>
+              <a:ext uri="{FF2B5EF4-FFF2-40B4-BE49-F238E27FC236}">
+                <a16:creationId xmlns:a16="http://schemas.microsoft.com/office/drawing/2014/main" id="{5BC5383A-6162-4457-B32B-5174621405BF}"/>
+              </a:ext>
+            </a:extLst>
+          </p:cNvPr>
+          <p:cNvPicPr>
+            <a:picLocks noChangeAspect="1"/>
+          </p:cNvPicPr>
+          <p:nvPr/>
+        </p:nvPicPr>
+        <p:blipFill>
+          <a:blip r:embed="rId2"/>
+          <a:stretch>
+            <a:fillRect/>
+          </a:stretch>
+        </p:blipFill>
+        <p:spPr>
+          <a:xfrm>
+            <a:off x="1931341" y="1655073"/>
+            <a:ext cx="4185373" cy="2215786"/>
+          </a:xfrm>
+          <a:prstGeom prst="rect">
+            <a:avLst/>
+          </a:prstGeom>
+        </p:spPr>
+      </p:pic>
+      <p:pic>
+        <p:nvPicPr>
+          <p:cNvPr id="7" name="圖片 6">
+            <a:extLst>
+              <a:ext uri="{FF2B5EF4-FFF2-40B4-BE49-F238E27FC236}">
+                <a16:creationId xmlns:a16="http://schemas.microsoft.com/office/drawing/2014/main" id="{95E34617-FED2-4FBA-A9A2-B16C50E189CB}"/>
+              </a:ext>
+            </a:extLst>
+          </p:cNvPr>
+          <p:cNvPicPr>
+            <a:picLocks noChangeAspect="1"/>
+          </p:cNvPicPr>
+          <p:nvPr/>
+        </p:nvPicPr>
+        <p:blipFill>
+          <a:blip r:embed="rId2"/>
+          <a:stretch>
+            <a:fillRect/>
+          </a:stretch>
+        </p:blipFill>
+        <p:spPr>
+          <a:xfrm>
+            <a:off x="5117168" y="2731919"/>
+            <a:ext cx="4185373" cy="2215786"/>
+          </a:xfrm>
+          <a:prstGeom prst="rect">
+            <a:avLst/>
+          </a:prstGeom>
+        </p:spPr>
+      </p:pic>
+      <p:pic>
+        <p:nvPicPr>
+          <p:cNvPr id="8" name="圖片 7">
+            <a:extLst>
+              <a:ext uri="{FF2B5EF4-FFF2-40B4-BE49-F238E27FC236}">
+                <a16:creationId xmlns:a16="http://schemas.microsoft.com/office/drawing/2014/main" id="{50D68B6B-A57A-4CA7-B61C-885AD5E3010B}"/>
+              </a:ext>
+            </a:extLst>
+          </p:cNvPr>
+          <p:cNvPicPr>
+            <a:picLocks noChangeAspect="1"/>
+          </p:cNvPicPr>
+          <p:nvPr/>
+        </p:nvPicPr>
+        <p:blipFill>
+          <a:blip r:embed="rId2"/>
+          <a:stretch>
+            <a:fillRect/>
+          </a:stretch>
+        </p:blipFill>
+        <p:spPr>
+          <a:xfrm>
+            <a:off x="6613375" y="3961257"/>
+            <a:ext cx="4185373" cy="2215786"/>
+          </a:xfrm>
+          <a:prstGeom prst="rect">
+            <a:avLst/>
+          </a:prstGeom>
+        </p:spPr>
+      </p:pic>
+      <p:pic>
+        <p:nvPicPr>
+          <p:cNvPr id="9" name="圖片 8">
+            <a:extLst>
+              <a:ext uri="{FF2B5EF4-FFF2-40B4-BE49-F238E27FC236}">
+                <a16:creationId xmlns:a16="http://schemas.microsoft.com/office/drawing/2014/main" id="{CF752AB6-E8DA-407B-8C39-0820B3E7C47A}"/>
+              </a:ext>
+            </a:extLst>
+          </p:cNvPr>
+          <p:cNvPicPr>
+            <a:picLocks noChangeAspect="1"/>
+          </p:cNvPicPr>
+          <p:nvPr/>
+        </p:nvPicPr>
+        <p:blipFill>
+          <a:blip r:embed="rId2"/>
+          <a:stretch>
+            <a:fillRect/>
+          </a:stretch>
+        </p:blipFill>
+        <p:spPr>
+          <a:xfrm>
+            <a:off x="1831624" y="394688"/>
+            <a:ext cx="4185373" cy="2215786"/>
+          </a:xfrm>
+          <a:prstGeom prst="rect">
+            <a:avLst/>
+          </a:prstGeom>
+        </p:spPr>
+      </p:pic>
+      <p:pic>
+        <p:nvPicPr>
+          <p:cNvPr id="10" name="圖片 9">
+            <a:extLst>
+              <a:ext uri="{FF2B5EF4-FFF2-40B4-BE49-F238E27FC236}">
+                <a16:creationId xmlns:a16="http://schemas.microsoft.com/office/drawing/2014/main" id="{376612FC-578C-4D97-9FA8-041C5384C8FD}"/>
+              </a:ext>
+            </a:extLst>
+          </p:cNvPr>
+          <p:cNvPicPr>
+            <a:picLocks noChangeAspect="1"/>
+          </p:cNvPicPr>
+          <p:nvPr/>
+        </p:nvPicPr>
+        <p:blipFill>
+          <a:blip r:embed="rId2"/>
+          <a:stretch>
+            <a:fillRect/>
+          </a:stretch>
+        </p:blipFill>
+        <p:spPr>
+          <a:xfrm>
+            <a:off x="5444930" y="1843088"/>
+            <a:ext cx="5190747" cy="2748043"/>
+          </a:xfrm>
+          <a:prstGeom prst="rect">
+            <a:avLst/>
+          </a:prstGeom>
+        </p:spPr>
+      </p:pic>
+      <p:pic>
+        <p:nvPicPr>
+          <p:cNvPr id="11" name="圖片 10">
+            <a:extLst>
+              <a:ext uri="{FF2B5EF4-FFF2-40B4-BE49-F238E27FC236}">
+                <a16:creationId xmlns:a16="http://schemas.microsoft.com/office/drawing/2014/main" id="{329B19B3-CA98-43D2-9973-B3376F220CC7}"/>
+              </a:ext>
+            </a:extLst>
+          </p:cNvPr>
+          <p:cNvPicPr>
+            <a:picLocks noChangeAspect="1"/>
+          </p:cNvPicPr>
+          <p:nvPr/>
+        </p:nvPicPr>
+        <p:blipFill>
+          <a:blip r:embed="rId2"/>
+          <a:stretch>
+            <a:fillRect/>
+          </a:stretch>
+        </p:blipFill>
+        <p:spPr>
+          <a:xfrm>
+            <a:off x="1341058" y="2762874"/>
+            <a:ext cx="5190747" cy="2748043"/>
+          </a:xfrm>
+          <a:prstGeom prst="rect">
+            <a:avLst/>
+          </a:prstGeom>
+        </p:spPr>
+      </p:pic>
+      <p:pic>
+        <p:nvPicPr>
+          <p:cNvPr id="12" name="圖片 11">
+            <a:extLst>
+              <a:ext uri="{FF2B5EF4-FFF2-40B4-BE49-F238E27FC236}">
+                <a16:creationId xmlns:a16="http://schemas.microsoft.com/office/drawing/2014/main" id="{4A21099B-7C2E-46EE-935D-915F233E8979}"/>
+              </a:ext>
+            </a:extLst>
+          </p:cNvPr>
+          <p:cNvPicPr>
+            <a:picLocks noChangeAspect="1"/>
+          </p:cNvPicPr>
+          <p:nvPr/>
+        </p:nvPicPr>
+        <p:blipFill>
+          <a:blip r:embed="rId2"/>
+          <a:stretch>
+            <a:fillRect/>
+          </a:stretch>
+        </p:blipFill>
+        <p:spPr>
+          <a:xfrm>
+            <a:off x="4914778" y="1083736"/>
+            <a:ext cx="5190747" cy="2748043"/>
+          </a:xfrm>
+          <a:prstGeom prst="rect">
+            <a:avLst/>
+          </a:prstGeom>
+        </p:spPr>
+      </p:pic>
+      <p:pic>
+        <p:nvPicPr>
+          <p:cNvPr id="13" name="圖片 12">
+            <a:extLst>
+              <a:ext uri="{FF2B5EF4-FFF2-40B4-BE49-F238E27FC236}">
+                <a16:creationId xmlns:a16="http://schemas.microsoft.com/office/drawing/2014/main" id="{39637949-B23D-4E3D-925A-F553BFBF4254}"/>
+              </a:ext>
+            </a:extLst>
+          </p:cNvPr>
+          <p:cNvPicPr>
+            <a:picLocks noChangeAspect="1"/>
+          </p:cNvPicPr>
+          <p:nvPr/>
+        </p:nvPicPr>
+        <p:blipFill>
+          <a:blip r:embed="rId2"/>
+          <a:stretch>
+            <a:fillRect/>
+          </a:stretch>
+        </p:blipFill>
+        <p:spPr>
+          <a:xfrm>
+            <a:off x="2019107" y="1380888"/>
+            <a:ext cx="5190747" cy="2748043"/>
+          </a:xfrm>
+          <a:prstGeom prst="rect">
+            <a:avLst/>
+          </a:prstGeom>
+        </p:spPr>
+      </p:pic>
+      <p:pic>
+        <p:nvPicPr>
+          <p:cNvPr id="14" name="圖片 13">
+            <a:extLst>
+              <a:ext uri="{FF2B5EF4-FFF2-40B4-BE49-F238E27FC236}">
+                <a16:creationId xmlns:a16="http://schemas.microsoft.com/office/drawing/2014/main" id="{1B41BAD7-E93F-4787-8D50-A46739DDAD57}"/>
+              </a:ext>
+            </a:extLst>
+          </p:cNvPr>
+          <p:cNvPicPr>
+            <a:picLocks noChangeAspect="1"/>
+          </p:cNvPicPr>
+          <p:nvPr/>
+        </p:nvPicPr>
+        <p:blipFill>
+          <a:blip r:embed="rId2"/>
+          <a:stretch>
+            <a:fillRect/>
+          </a:stretch>
+        </p:blipFill>
+        <p:spPr>
+          <a:xfrm>
+            <a:off x="3784032" y="2610157"/>
+            <a:ext cx="5190747" cy="2748043"/>
+          </a:xfrm>
+          <a:prstGeom prst="rect">
+            <a:avLst/>
+          </a:prstGeom>
+        </p:spPr>
+      </p:pic>
+    </p:spTree>
+    <p:extLst>
+      <p:ext uri="{BB962C8B-B14F-4D97-AF65-F5344CB8AC3E}">
+        <p14:creationId xmlns:p14="http://schemas.microsoft.com/office/powerpoint/2010/main" val="1239709787"/>
+      </p:ext>
+    </p:extLst>
+  </p:cSld>
+  <p:clrMapOvr>
+    <a:masterClrMapping/>
+  </p:clrMapOvr>
+</p:sld>
+</file>
+
 <file path=ppt/slides/slide2.xml><?xml version="1.0" encoding="utf-8"?>
 <p:sld xmlns:a="http://schemas.openxmlformats.org/drawingml/2006/main" xmlns:r="http://schemas.openxmlformats.org/officeDocument/2006/relationships" xmlns:p="http://schemas.openxmlformats.org/presentationml/2006/main">
   <p:cSld>
@@ -5099,6 +5494,473 @@
     <p:extLst>
       <p:ext uri="{BB962C8B-B14F-4D97-AF65-F5344CB8AC3E}">
         <p14:creationId xmlns:p14="http://schemas.microsoft.com/office/powerpoint/2010/main" val="2565607936"/>
+      </p:ext>
+    </p:extLst>
+  </p:cSld>
+  <p:clrMapOvr>
+    <a:masterClrMapping/>
+  </p:clrMapOvr>
+</p:sld>
+</file>
+
+<file path=ppt/slides/slide8.xml><?xml version="1.0" encoding="utf-8"?>
+<p:sld xmlns:a="http://schemas.openxmlformats.org/drawingml/2006/main" xmlns:r="http://schemas.openxmlformats.org/officeDocument/2006/relationships" xmlns:p="http://schemas.openxmlformats.org/presentationml/2006/main">
+  <p:cSld>
+    <p:spTree>
+      <p:nvGrpSpPr>
+        <p:cNvPr id="1" name=""/>
+        <p:cNvGrpSpPr/>
+        <p:nvPr/>
+      </p:nvGrpSpPr>
+      <p:grpSpPr>
+        <a:xfrm>
+          <a:off x="0" y="0"/>
+          <a:ext cx="0" cy="0"/>
+          <a:chOff x="0" y="0"/>
+          <a:chExt cx="0" cy="0"/>
+        </a:xfrm>
+      </p:grpSpPr>
+      <p:sp>
+        <p:nvSpPr>
+          <p:cNvPr id="2" name="標題 1">
+            <a:extLst>
+              <a:ext uri="{FF2B5EF4-FFF2-40B4-BE49-F238E27FC236}">
+                <a16:creationId xmlns:a16="http://schemas.microsoft.com/office/drawing/2014/main" id="{4B63E013-F34A-40C1-8D30-BD62AAC5B2E7}"/>
+              </a:ext>
+            </a:extLst>
+          </p:cNvPr>
+          <p:cNvSpPr>
+            <a:spLocks noGrp="1"/>
+          </p:cNvSpPr>
+          <p:nvPr>
+            <p:ph type="title"/>
+          </p:nvPr>
+        </p:nvSpPr>
+        <p:spPr/>
+        <p:txBody>
+          <a:bodyPr/>
+          <a:lstStyle/>
+          <a:p>
+            <a:endParaRPr lang="zh-TW" altLang="en-US"/>
+          </a:p>
+        </p:txBody>
+      </p:sp>
+      <p:sp>
+        <p:nvSpPr>
+          <p:cNvPr id="3" name="內容版面配置區 2">
+            <a:extLst>
+              <a:ext uri="{FF2B5EF4-FFF2-40B4-BE49-F238E27FC236}">
+                <a16:creationId xmlns:a16="http://schemas.microsoft.com/office/drawing/2014/main" id="{8059F40A-84C8-46F7-8B6D-B60BCFF4D686}"/>
+              </a:ext>
+            </a:extLst>
+          </p:cNvPr>
+          <p:cNvSpPr>
+            <a:spLocks noGrp="1"/>
+          </p:cNvSpPr>
+          <p:nvPr>
+            <p:ph idx="1"/>
+          </p:nvPr>
+        </p:nvSpPr>
+        <p:spPr/>
+        <p:txBody>
+          <a:bodyPr/>
+          <a:lstStyle/>
+          <a:p>
+            <a:endParaRPr lang="zh-TW" altLang="en-US"/>
+          </a:p>
+        </p:txBody>
+      </p:sp>
+      <p:pic>
+        <p:nvPicPr>
+          <p:cNvPr id="4" name="圖片 3">
+            <a:extLst>
+              <a:ext uri="{FF2B5EF4-FFF2-40B4-BE49-F238E27FC236}">
+                <a16:creationId xmlns:a16="http://schemas.microsoft.com/office/drawing/2014/main" id="{8AF881C8-6A73-422A-A55E-1E90487B0B80}"/>
+              </a:ext>
+            </a:extLst>
+          </p:cNvPr>
+          <p:cNvPicPr>
+            <a:picLocks noChangeAspect="1"/>
+          </p:cNvPicPr>
+          <p:nvPr/>
+        </p:nvPicPr>
+        <p:blipFill>
+          <a:blip r:embed="rId2"/>
+          <a:stretch>
+            <a:fillRect/>
+          </a:stretch>
+        </p:blipFill>
+        <p:spPr>
+          <a:xfrm>
+            <a:off x="3046479" y="3371710"/>
+            <a:ext cx="4185373" cy="2215786"/>
+          </a:xfrm>
+          <a:prstGeom prst="rect">
+            <a:avLst/>
+          </a:prstGeom>
+        </p:spPr>
+      </p:pic>
+      <p:pic>
+        <p:nvPicPr>
+          <p:cNvPr id="5" name="圖片 4">
+            <a:extLst>
+              <a:ext uri="{FF2B5EF4-FFF2-40B4-BE49-F238E27FC236}">
+                <a16:creationId xmlns:a16="http://schemas.microsoft.com/office/drawing/2014/main" id="{48E2A565-037F-4BEA-9D76-8FCD2BC54AE3}"/>
+              </a:ext>
+            </a:extLst>
+          </p:cNvPr>
+          <p:cNvPicPr>
+            <a:picLocks noChangeAspect="1"/>
+          </p:cNvPicPr>
+          <p:nvPr/>
+        </p:nvPicPr>
+        <p:blipFill>
+          <a:blip r:embed="rId2"/>
+          <a:stretch>
+            <a:fillRect/>
+          </a:stretch>
+        </p:blipFill>
+        <p:spPr>
+          <a:xfrm>
+            <a:off x="5551462" y="1020987"/>
+            <a:ext cx="4185373" cy="2215786"/>
+          </a:xfrm>
+          <a:prstGeom prst="rect">
+            <a:avLst/>
+          </a:prstGeom>
+        </p:spPr>
+      </p:pic>
+      <p:pic>
+        <p:nvPicPr>
+          <p:cNvPr id="6" name="圖片 5">
+            <a:extLst>
+              <a:ext uri="{FF2B5EF4-FFF2-40B4-BE49-F238E27FC236}">
+                <a16:creationId xmlns:a16="http://schemas.microsoft.com/office/drawing/2014/main" id="{6413F837-1AC5-4C5F-BCE7-525F89324C6D}"/>
+              </a:ext>
+            </a:extLst>
+          </p:cNvPr>
+          <p:cNvPicPr>
+            <a:picLocks noChangeAspect="1"/>
+          </p:cNvPicPr>
+          <p:nvPr/>
+        </p:nvPicPr>
+        <p:blipFill>
+          <a:blip r:embed="rId2"/>
+          <a:stretch>
+            <a:fillRect/>
+          </a:stretch>
+        </p:blipFill>
+        <p:spPr>
+          <a:xfrm>
+            <a:off x="1770147" y="1405442"/>
+            <a:ext cx="4185373" cy="2215786"/>
+          </a:xfrm>
+          <a:prstGeom prst="rect">
+            <a:avLst/>
+          </a:prstGeom>
+        </p:spPr>
+      </p:pic>
+      <p:pic>
+        <p:nvPicPr>
+          <p:cNvPr id="7" name="圖片 6">
+            <a:extLst>
+              <a:ext uri="{FF2B5EF4-FFF2-40B4-BE49-F238E27FC236}">
+                <a16:creationId xmlns:a16="http://schemas.microsoft.com/office/drawing/2014/main" id="{1871A021-ED52-483C-A760-23B5F99CAA22}"/>
+              </a:ext>
+            </a:extLst>
+          </p:cNvPr>
+          <p:cNvPicPr>
+            <a:picLocks noChangeAspect="1"/>
+          </p:cNvPicPr>
+          <p:nvPr/>
+        </p:nvPicPr>
+        <p:blipFill>
+          <a:blip r:embed="rId2"/>
+          <a:stretch>
+            <a:fillRect/>
+          </a:stretch>
+        </p:blipFill>
+        <p:spPr>
+          <a:xfrm>
+            <a:off x="6966398" y="3071349"/>
+            <a:ext cx="4185373" cy="2215786"/>
+          </a:xfrm>
+          <a:prstGeom prst="rect">
+            <a:avLst/>
+          </a:prstGeom>
+        </p:spPr>
+      </p:pic>
+      <p:pic>
+        <p:nvPicPr>
+          <p:cNvPr id="8" name="圖片 7">
+            <a:extLst>
+              <a:ext uri="{FF2B5EF4-FFF2-40B4-BE49-F238E27FC236}">
+                <a16:creationId xmlns:a16="http://schemas.microsoft.com/office/drawing/2014/main" id="{B789B952-41C2-4D00-A52A-3141325CB8E2}"/>
+              </a:ext>
+            </a:extLst>
+          </p:cNvPr>
+          <p:cNvPicPr>
+            <a:picLocks noChangeAspect="1"/>
+          </p:cNvPicPr>
+          <p:nvPr/>
+        </p:nvPicPr>
+        <p:blipFill>
+          <a:blip r:embed="rId2"/>
+          <a:stretch>
+            <a:fillRect/>
+          </a:stretch>
+        </p:blipFill>
+        <p:spPr>
+          <a:xfrm>
+            <a:off x="482312" y="3148018"/>
+            <a:ext cx="4185373" cy="2215786"/>
+          </a:xfrm>
+          <a:prstGeom prst="rect">
+            <a:avLst/>
+          </a:prstGeom>
+        </p:spPr>
+      </p:pic>
+    </p:spTree>
+    <p:extLst>
+      <p:ext uri="{BB962C8B-B14F-4D97-AF65-F5344CB8AC3E}">
+        <p14:creationId xmlns:p14="http://schemas.microsoft.com/office/powerpoint/2010/main" val="4170142061"/>
+      </p:ext>
+    </p:extLst>
+  </p:cSld>
+  <p:clrMapOvr>
+    <a:masterClrMapping/>
+  </p:clrMapOvr>
+</p:sld>
+</file>
+
+<file path=ppt/slides/slide9.xml><?xml version="1.0" encoding="utf-8"?>
+<p:sld xmlns:a="http://schemas.openxmlformats.org/drawingml/2006/main" xmlns:r="http://schemas.openxmlformats.org/officeDocument/2006/relationships" xmlns:p="http://schemas.openxmlformats.org/presentationml/2006/main">
+  <p:cSld>
+    <p:spTree>
+      <p:nvGrpSpPr>
+        <p:cNvPr id="1" name=""/>
+        <p:cNvGrpSpPr/>
+        <p:nvPr/>
+      </p:nvGrpSpPr>
+      <p:grpSpPr>
+        <a:xfrm>
+          <a:off x="0" y="0"/>
+          <a:ext cx="0" cy="0"/>
+          <a:chOff x="0" y="0"/>
+          <a:chExt cx="0" cy="0"/>
+        </a:xfrm>
+      </p:grpSpPr>
+      <p:sp>
+        <p:nvSpPr>
+          <p:cNvPr id="2" name="標題 1">
+            <a:extLst>
+              <a:ext uri="{FF2B5EF4-FFF2-40B4-BE49-F238E27FC236}">
+                <a16:creationId xmlns:a16="http://schemas.microsoft.com/office/drawing/2014/main" id="{A8241F26-B5FB-4B7E-A627-D9298C47816E}"/>
+              </a:ext>
+            </a:extLst>
+          </p:cNvPr>
+          <p:cNvSpPr>
+            <a:spLocks noGrp="1"/>
+          </p:cNvSpPr>
+          <p:nvPr>
+            <p:ph type="title"/>
+          </p:nvPr>
+        </p:nvSpPr>
+        <p:spPr/>
+        <p:txBody>
+          <a:bodyPr/>
+          <a:lstStyle/>
+          <a:p>
+            <a:endParaRPr lang="zh-TW" altLang="en-US" dirty="0"/>
+          </a:p>
+        </p:txBody>
+      </p:sp>
+      <p:pic>
+        <p:nvPicPr>
+          <p:cNvPr id="4" name="圖片 3">
+            <a:extLst>
+              <a:ext uri="{FF2B5EF4-FFF2-40B4-BE49-F238E27FC236}">
+                <a16:creationId xmlns:a16="http://schemas.microsoft.com/office/drawing/2014/main" id="{0FE8C7DF-4EA9-4A77-B29A-9C76CBE26E47}"/>
+              </a:ext>
+            </a:extLst>
+          </p:cNvPr>
+          <p:cNvPicPr>
+            <a:picLocks noChangeAspect="1"/>
+          </p:cNvPicPr>
+          <p:nvPr/>
+        </p:nvPicPr>
+        <p:blipFill>
+          <a:blip r:embed="rId2"/>
+          <a:stretch>
+            <a:fillRect/>
+          </a:stretch>
+        </p:blipFill>
+        <p:spPr>
+          <a:xfrm>
+            <a:off x="5292530" y="1690688"/>
+            <a:ext cx="5190747" cy="2748043"/>
+          </a:xfrm>
+          <a:prstGeom prst="rect">
+            <a:avLst/>
+          </a:prstGeom>
+        </p:spPr>
+      </p:pic>
+      <p:pic>
+        <p:nvPicPr>
+          <p:cNvPr id="5" name="內容版面配置區 4">
+            <a:extLst>
+              <a:ext uri="{FF2B5EF4-FFF2-40B4-BE49-F238E27FC236}">
+                <a16:creationId xmlns:a16="http://schemas.microsoft.com/office/drawing/2014/main" id="{B7F8AC92-2ADC-481F-8739-7F824E4F8E97}"/>
+              </a:ext>
+            </a:extLst>
+          </p:cNvPr>
+          <p:cNvPicPr>
+            <a:picLocks noGrp="1" noChangeAspect="1"/>
+          </p:cNvPicPr>
+          <p:nvPr>
+            <p:ph idx="1"/>
+          </p:nvPr>
+        </p:nvPicPr>
+        <p:blipFill>
+          <a:blip r:embed="rId2"/>
+          <a:stretch>
+            <a:fillRect/>
+          </a:stretch>
+        </p:blipFill>
+        <p:spPr>
+          <a:xfrm>
+            <a:off x="1931341" y="3429000"/>
+            <a:ext cx="5506218" cy="2915057"/>
+          </a:xfrm>
+          <a:prstGeom prst="rect">
+            <a:avLst/>
+          </a:prstGeom>
+        </p:spPr>
+      </p:pic>
+      <p:pic>
+        <p:nvPicPr>
+          <p:cNvPr id="6" name="圖片 5">
+            <a:extLst>
+              <a:ext uri="{FF2B5EF4-FFF2-40B4-BE49-F238E27FC236}">
+                <a16:creationId xmlns:a16="http://schemas.microsoft.com/office/drawing/2014/main" id="{5BC5383A-6162-4457-B32B-5174621405BF}"/>
+              </a:ext>
+            </a:extLst>
+          </p:cNvPr>
+          <p:cNvPicPr>
+            <a:picLocks noChangeAspect="1"/>
+          </p:cNvPicPr>
+          <p:nvPr/>
+        </p:nvPicPr>
+        <p:blipFill>
+          <a:blip r:embed="rId2"/>
+          <a:stretch>
+            <a:fillRect/>
+          </a:stretch>
+        </p:blipFill>
+        <p:spPr>
+          <a:xfrm>
+            <a:off x="1931341" y="1655073"/>
+            <a:ext cx="4185373" cy="2215786"/>
+          </a:xfrm>
+          <a:prstGeom prst="rect">
+            <a:avLst/>
+          </a:prstGeom>
+        </p:spPr>
+      </p:pic>
+      <p:pic>
+        <p:nvPicPr>
+          <p:cNvPr id="7" name="圖片 6">
+            <a:extLst>
+              <a:ext uri="{FF2B5EF4-FFF2-40B4-BE49-F238E27FC236}">
+                <a16:creationId xmlns:a16="http://schemas.microsoft.com/office/drawing/2014/main" id="{95E34617-FED2-4FBA-A9A2-B16C50E189CB}"/>
+              </a:ext>
+            </a:extLst>
+          </p:cNvPr>
+          <p:cNvPicPr>
+            <a:picLocks noChangeAspect="1"/>
+          </p:cNvPicPr>
+          <p:nvPr/>
+        </p:nvPicPr>
+        <p:blipFill>
+          <a:blip r:embed="rId2"/>
+          <a:stretch>
+            <a:fillRect/>
+          </a:stretch>
+        </p:blipFill>
+        <p:spPr>
+          <a:xfrm>
+            <a:off x="5117168" y="2731919"/>
+            <a:ext cx="4185373" cy="2215786"/>
+          </a:xfrm>
+          <a:prstGeom prst="rect">
+            <a:avLst/>
+          </a:prstGeom>
+        </p:spPr>
+      </p:pic>
+      <p:pic>
+        <p:nvPicPr>
+          <p:cNvPr id="8" name="圖片 7">
+            <a:extLst>
+              <a:ext uri="{FF2B5EF4-FFF2-40B4-BE49-F238E27FC236}">
+                <a16:creationId xmlns:a16="http://schemas.microsoft.com/office/drawing/2014/main" id="{50D68B6B-A57A-4CA7-B61C-885AD5E3010B}"/>
+              </a:ext>
+            </a:extLst>
+          </p:cNvPr>
+          <p:cNvPicPr>
+            <a:picLocks noChangeAspect="1"/>
+          </p:cNvPicPr>
+          <p:nvPr/>
+        </p:nvPicPr>
+        <p:blipFill>
+          <a:blip r:embed="rId2"/>
+          <a:stretch>
+            <a:fillRect/>
+          </a:stretch>
+        </p:blipFill>
+        <p:spPr>
+          <a:xfrm>
+            <a:off x="6613375" y="3961257"/>
+            <a:ext cx="4185373" cy="2215786"/>
+          </a:xfrm>
+          <a:prstGeom prst="rect">
+            <a:avLst/>
+          </a:prstGeom>
+        </p:spPr>
+      </p:pic>
+      <p:pic>
+        <p:nvPicPr>
+          <p:cNvPr id="9" name="圖片 8">
+            <a:extLst>
+              <a:ext uri="{FF2B5EF4-FFF2-40B4-BE49-F238E27FC236}">
+                <a16:creationId xmlns:a16="http://schemas.microsoft.com/office/drawing/2014/main" id="{CF752AB6-E8DA-407B-8C39-0820B3E7C47A}"/>
+              </a:ext>
+            </a:extLst>
+          </p:cNvPr>
+          <p:cNvPicPr>
+            <a:picLocks noChangeAspect="1"/>
+          </p:cNvPicPr>
+          <p:nvPr/>
+        </p:nvPicPr>
+        <p:blipFill>
+          <a:blip r:embed="rId2"/>
+          <a:stretch>
+            <a:fillRect/>
+          </a:stretch>
+        </p:blipFill>
+        <p:spPr>
+          <a:xfrm>
+            <a:off x="1831624" y="394688"/>
+            <a:ext cx="4185373" cy="2215786"/>
+          </a:xfrm>
+          <a:prstGeom prst="rect">
+            <a:avLst/>
+          </a:prstGeom>
+        </p:spPr>
+      </p:pic>
+    </p:spTree>
+    <p:extLst>
+      <p:ext uri="{BB962C8B-B14F-4D97-AF65-F5344CB8AC3E}">
+        <p14:creationId xmlns:p14="http://schemas.microsoft.com/office/powerpoint/2010/main" val="2921417079"/>
       </p:ext>
     </p:extLst>
   </p:cSld>

--- a/20241128簡報.pptx
+++ b/20241128簡報.pptx
@@ -5072,6 +5072,36 @@
           </a:prstGeom>
         </p:spPr>
       </p:pic>
+      <p:pic>
+        <p:nvPicPr>
+          <p:cNvPr id="4" name="圖片 3">
+            <a:extLst>
+              <a:ext uri="{FF2B5EF4-FFF2-40B4-BE49-F238E27FC236}">
+                <a16:creationId xmlns:a16="http://schemas.microsoft.com/office/drawing/2014/main" id="{E88AAD44-17F9-463B-A854-A405ED0E6AAB}"/>
+              </a:ext>
+            </a:extLst>
+          </p:cNvPr>
+          <p:cNvPicPr>
+            <a:picLocks noChangeAspect="1"/>
+          </p:cNvPicPr>
+          <p:nvPr/>
+        </p:nvPicPr>
+        <p:blipFill>
+          <a:blip r:embed="rId8"/>
+          <a:stretch>
+            <a:fillRect/>
+          </a:stretch>
+        </p:blipFill>
+        <p:spPr>
+          <a:xfrm>
+            <a:off x="8124828" y="5049918"/>
+            <a:ext cx="3296110" cy="1028844"/>
+          </a:xfrm>
+          <a:prstGeom prst="rect">
+            <a:avLst/>
+          </a:prstGeom>
+        </p:spPr>
+      </p:pic>
     </p:spTree>
     <p:extLst>
       <p:ext uri="{BB962C8B-B14F-4D97-AF65-F5344CB8AC3E}">

--- a/20241128簡報.pptx
+++ b/20241128簡報.pptx
@@ -4868,7 +4868,7 @@
         </p:blipFill>
         <p:spPr>
           <a:xfrm>
-            <a:off x="5730166" y="3011610"/>
+            <a:off x="8963025" y="2771775"/>
             <a:ext cx="2667000" cy="657225"/>
           </a:xfrm>
           <a:prstGeom prst="rect">
@@ -4904,7 +4904,7 @@
         </p:blipFill>
         <p:spPr>
           <a:xfrm>
-            <a:off x="7581668" y="1880455"/>
+            <a:off x="8963025" y="1931127"/>
             <a:ext cx="2390775" cy="1076325"/>
           </a:xfrm>
           <a:prstGeom prst="rect">
@@ -4914,10 +4914,10 @@
       </p:pic>
       <p:pic>
         <p:nvPicPr>
-          <p:cNvPr id="2050" name="Picture 2" descr="Learn HTML - 适用于Android的APK下载 | Aptoide">
-            <a:extLst>
-              <a:ext uri="{FF2B5EF4-FFF2-40B4-BE49-F238E27FC236}">
-                <a16:creationId xmlns:a16="http://schemas.microsoft.com/office/drawing/2014/main" id="{A6860DD5-7A83-42B2-977F-8E4A625D9E90}"/>
+          <p:cNvPr id="2052" name="Picture 4" descr="前端开发专题 - w3cschool">
+            <a:extLst>
+              <a:ext uri="{FF2B5EF4-FFF2-40B4-BE49-F238E27FC236}">
+                <a16:creationId xmlns:a16="http://schemas.microsoft.com/office/drawing/2014/main" id="{FD17CF20-6B31-460E-9D0D-267E636D338E}"/>
               </a:ext>
             </a:extLst>
           </p:cNvPr>
@@ -4941,8 +4941,8 @@
         </p:blipFill>
         <p:spPr bwMode="auto">
           <a:xfrm>
-            <a:off x="771062" y="3668835"/>
-            <a:ext cx="2513121" cy="2513121"/>
+            <a:off x="795714" y="3259482"/>
+            <a:ext cx="2723705" cy="2723705"/>
           </a:xfrm>
           <a:prstGeom prst="rect">
             <a:avLst/>
@@ -4961,53 +4961,6 @@
       </p:pic>
       <p:pic>
         <p:nvPicPr>
-          <p:cNvPr id="2052" name="Picture 4" descr="前端开发专题 - w3cschool">
-            <a:extLst>
-              <a:ext uri="{FF2B5EF4-FFF2-40B4-BE49-F238E27FC236}">
-                <a16:creationId xmlns:a16="http://schemas.microsoft.com/office/drawing/2014/main" id="{FD17CF20-6B31-460E-9D0D-267E636D338E}"/>
-              </a:ext>
-            </a:extLst>
-          </p:cNvPr>
-          <p:cNvPicPr>
-            <a:picLocks noChangeAspect="1" noChangeArrowheads="1"/>
-          </p:cNvPicPr>
-          <p:nvPr/>
-        </p:nvPicPr>
-        <p:blipFill>
-          <a:blip r:embed="rId5">
-            <a:extLst>
-              <a:ext uri="{28A0092B-C50C-407E-A947-70E740481C1C}">
-                <a14:useLocalDpi xmlns:a14="http://schemas.microsoft.com/office/drawing/2010/main" val="0"/>
-              </a:ext>
-            </a:extLst>
-          </a:blip>
-          <a:srcRect/>
-          <a:stretch>
-            <a:fillRect/>
-          </a:stretch>
-        </p:blipFill>
-        <p:spPr bwMode="auto">
-          <a:xfrm>
-            <a:off x="8777055" y="2716335"/>
-            <a:ext cx="1905000" cy="1905000"/>
-          </a:xfrm>
-          <a:prstGeom prst="rect">
-            <a:avLst/>
-          </a:prstGeom>
-          <a:noFill/>
-          <a:extLst>
-            <a:ext uri="{909E8E84-426E-40DD-AFC4-6F175D3DCCD1}">
-              <a14:hiddenFill xmlns:a14="http://schemas.microsoft.com/office/drawing/2010/main">
-                <a:solidFill>
-                  <a:srgbClr val="FFFFFF"/>
-                </a:solidFill>
-              </a14:hiddenFill>
-            </a:ext>
-          </a:extLst>
-        </p:spPr>
-      </p:pic>
-      <p:pic>
-        <p:nvPicPr>
           <p:cNvPr id="10" name="圖片 9">
             <a:extLst>
               <a:ext uri="{FF2B5EF4-FFF2-40B4-BE49-F238E27FC236}">
@@ -5021,14 +4974,14 @@
           <p:nvPr/>
         </p:nvPicPr>
         <p:blipFill>
-          <a:blip r:embed="rId6"/>
+          <a:blip r:embed="rId5"/>
           <a:stretch>
             <a:fillRect/>
           </a:stretch>
         </p:blipFill>
         <p:spPr>
           <a:xfrm>
-            <a:off x="4603549" y="4621335"/>
+            <a:off x="3632727" y="5384580"/>
             <a:ext cx="3368600" cy="1141113"/>
           </a:xfrm>
           <a:prstGeom prst="rect">
@@ -5051,7 +5004,7 @@
           <p:nvPr/>
         </p:nvPicPr>
         <p:blipFill>
-          <a:blip r:embed="rId7">
+          <a:blip r:embed="rId6">
             <a:extLst>
               <a:ext uri="{28A0092B-C50C-407E-A947-70E740481C1C}">
                 <a14:useLocalDpi xmlns:a14="http://schemas.microsoft.com/office/drawing/2010/main" val="0"/>
@@ -5064,8 +5017,8 @@
         </p:blipFill>
         <p:spPr>
           <a:xfrm>
-            <a:off x="3414946" y="3721130"/>
-            <a:ext cx="5429250" cy="771525"/>
+            <a:off x="6313319" y="3563937"/>
+            <a:ext cx="5107619" cy="725820"/>
           </a:xfrm>
           <a:prstGeom prst="rect">
             <a:avLst/>
@@ -5087,14 +5040,14 @@
           <p:nvPr/>
         </p:nvPicPr>
         <p:blipFill>
-          <a:blip r:embed="rId8"/>
+          <a:blip r:embed="rId7"/>
           <a:stretch>
             <a:fillRect/>
           </a:stretch>
         </p:blipFill>
         <p:spPr>
           <a:xfrm>
-            <a:off x="8124828" y="5049918"/>
+            <a:off x="3632727" y="4245115"/>
             <a:ext cx="3296110" cy="1028844"/>
           </a:xfrm>
           <a:prstGeom prst="rect">

--- a/20241128簡報.pptx
+++ b/20241128簡報.pptx
@@ -4,6 +4,9 @@
   <p:sldMasterIdLst>
     <p:sldMasterId id="2147483648" r:id="rId1"/>
   </p:sldMasterIdLst>
+  <p:notesMasterIdLst>
+    <p:notesMasterId r:id="rId13"/>
+  </p:notesMasterIdLst>
   <p:sldIdLst>
     <p:sldId id="256" r:id="rId2"/>
     <p:sldId id="257" r:id="rId3"/>
@@ -15,6 +18,7 @@
     <p:sldId id="264" r:id="rId9"/>
     <p:sldId id="263" r:id="rId10"/>
     <p:sldId id="266" r:id="rId11"/>
+    <p:sldId id="267" r:id="rId12"/>
   </p:sldIdLst>
   <p:sldSz cx="12192000" cy="6858000"/>
   <p:notesSz cx="6858000" cy="9144000"/>
@@ -145,6 +149,439 @@
     </p:extLst>
   </p:cm>
 </p:cmLst>
+</file>
+
+<file path=ppt/notesMasters/notesMaster1.xml><?xml version="1.0" encoding="utf-8"?>
+<p:notesMaster xmlns:a="http://schemas.openxmlformats.org/drawingml/2006/main" xmlns:r="http://schemas.openxmlformats.org/officeDocument/2006/relationships" xmlns:p="http://schemas.openxmlformats.org/presentationml/2006/main">
+  <p:cSld>
+    <p:bg>
+      <p:bgRef idx="1001">
+        <a:schemeClr val="bg1"/>
+      </p:bgRef>
+    </p:bg>
+    <p:spTree>
+      <p:nvGrpSpPr>
+        <p:cNvPr id="1" name=""/>
+        <p:cNvGrpSpPr/>
+        <p:nvPr/>
+      </p:nvGrpSpPr>
+      <p:grpSpPr>
+        <a:xfrm>
+          <a:off x="0" y="0"/>
+          <a:ext cx="0" cy="0"/>
+          <a:chOff x="0" y="0"/>
+          <a:chExt cx="0" cy="0"/>
+        </a:xfrm>
+      </p:grpSpPr>
+      <p:sp>
+        <p:nvSpPr>
+          <p:cNvPr id="2" name="頁首版面配置區 1"/>
+          <p:cNvSpPr>
+            <a:spLocks noGrp="1"/>
+          </p:cNvSpPr>
+          <p:nvPr>
+            <p:ph type="hdr" sz="quarter"/>
+          </p:nvPr>
+        </p:nvSpPr>
+        <p:spPr>
+          <a:xfrm>
+            <a:off x="0" y="0"/>
+            <a:ext cx="2971800" cy="458788"/>
+          </a:xfrm>
+          <a:prstGeom prst="rect">
+            <a:avLst/>
+          </a:prstGeom>
+        </p:spPr>
+        <p:txBody>
+          <a:bodyPr vert="horz" lIns="91440" tIns="45720" rIns="91440" bIns="45720" rtlCol="0"/>
+          <a:lstStyle>
+            <a:lvl1pPr algn="l">
+              <a:defRPr sz="1200"/>
+            </a:lvl1pPr>
+          </a:lstStyle>
+          <a:p>
+            <a:endParaRPr lang="zh-TW" altLang="en-US"/>
+          </a:p>
+        </p:txBody>
+      </p:sp>
+      <p:sp>
+        <p:nvSpPr>
+          <p:cNvPr id="3" name="日期版面配置區 2"/>
+          <p:cNvSpPr>
+            <a:spLocks noGrp="1"/>
+          </p:cNvSpPr>
+          <p:nvPr>
+            <p:ph type="dt" idx="1"/>
+          </p:nvPr>
+        </p:nvSpPr>
+        <p:spPr>
+          <a:xfrm>
+            <a:off x="3884613" y="0"/>
+            <a:ext cx="2971800" cy="458788"/>
+          </a:xfrm>
+          <a:prstGeom prst="rect">
+            <a:avLst/>
+          </a:prstGeom>
+        </p:spPr>
+        <p:txBody>
+          <a:bodyPr vert="horz" lIns="91440" tIns="45720" rIns="91440" bIns="45720" rtlCol="0"/>
+          <a:lstStyle>
+            <a:lvl1pPr algn="r">
+              <a:defRPr sz="1200"/>
+            </a:lvl1pPr>
+          </a:lstStyle>
+          <a:p>
+            <a:fld id="{D969EEBA-D043-4CD9-98C0-E391AB1A7A13}" type="datetimeFigureOut">
+              <a:rPr lang="zh-TW" altLang="en-US" smtClean="0"/>
+              <a:t>2024/11/28</a:t>
+            </a:fld>
+            <a:endParaRPr lang="zh-TW" altLang="en-US"/>
+          </a:p>
+        </p:txBody>
+      </p:sp>
+      <p:sp>
+        <p:nvSpPr>
+          <p:cNvPr id="4" name="投影片影像版面配置區 3"/>
+          <p:cNvSpPr>
+            <a:spLocks noGrp="1" noRot="1" noChangeAspect="1"/>
+          </p:cNvSpPr>
+          <p:nvPr>
+            <p:ph type="sldImg" idx="2"/>
+          </p:nvPr>
+        </p:nvSpPr>
+        <p:spPr>
+          <a:xfrm>
+            <a:off x="685800" y="1143000"/>
+            <a:ext cx="5486400" cy="3086100"/>
+          </a:xfrm>
+          <a:prstGeom prst="rect">
+            <a:avLst/>
+          </a:prstGeom>
+          <a:noFill/>
+          <a:ln w="12700">
+            <a:solidFill>
+              <a:prstClr val="black"/>
+            </a:solidFill>
+          </a:ln>
+        </p:spPr>
+        <p:txBody>
+          <a:bodyPr vert="horz" lIns="91440" tIns="45720" rIns="91440" bIns="45720" rtlCol="0" anchor="ctr"/>
+          <a:lstStyle/>
+          <a:p>
+            <a:endParaRPr lang="zh-TW" altLang="en-US"/>
+          </a:p>
+        </p:txBody>
+      </p:sp>
+      <p:sp>
+        <p:nvSpPr>
+          <p:cNvPr id="5" name="備忘稿版面配置區 4"/>
+          <p:cNvSpPr>
+            <a:spLocks noGrp="1"/>
+          </p:cNvSpPr>
+          <p:nvPr>
+            <p:ph type="body" sz="quarter" idx="3"/>
+          </p:nvPr>
+        </p:nvSpPr>
+        <p:spPr>
+          <a:xfrm>
+            <a:off x="685800" y="4400550"/>
+            <a:ext cx="5486400" cy="3600450"/>
+          </a:xfrm>
+          <a:prstGeom prst="rect">
+            <a:avLst/>
+          </a:prstGeom>
+        </p:spPr>
+        <p:txBody>
+          <a:bodyPr vert="horz" lIns="91440" tIns="45720" rIns="91440" bIns="45720" rtlCol="0"/>
+          <a:lstStyle/>
+          <a:p>
+            <a:pPr lvl="0"/>
+            <a:r>
+              <a:rPr lang="zh-TW" altLang="en-US"/>
+              <a:t>編輯母片文字樣式</a:t>
+            </a:r>
+          </a:p>
+          <a:p>
+            <a:pPr lvl="1"/>
+            <a:r>
+              <a:rPr lang="zh-TW" altLang="en-US"/>
+              <a:t>第二層</a:t>
+            </a:r>
+          </a:p>
+          <a:p>
+            <a:pPr lvl="2"/>
+            <a:r>
+              <a:rPr lang="zh-TW" altLang="en-US"/>
+              <a:t>第三層</a:t>
+            </a:r>
+          </a:p>
+          <a:p>
+            <a:pPr lvl="3"/>
+            <a:r>
+              <a:rPr lang="zh-TW" altLang="en-US"/>
+              <a:t>第四層</a:t>
+            </a:r>
+          </a:p>
+          <a:p>
+            <a:pPr lvl="4"/>
+            <a:r>
+              <a:rPr lang="zh-TW" altLang="en-US"/>
+              <a:t>第五層</a:t>
+            </a:r>
+          </a:p>
+        </p:txBody>
+      </p:sp>
+      <p:sp>
+        <p:nvSpPr>
+          <p:cNvPr id="6" name="頁尾版面配置區 5"/>
+          <p:cNvSpPr>
+            <a:spLocks noGrp="1"/>
+          </p:cNvSpPr>
+          <p:nvPr>
+            <p:ph type="ftr" sz="quarter" idx="4"/>
+          </p:nvPr>
+        </p:nvSpPr>
+        <p:spPr>
+          <a:xfrm>
+            <a:off x="0" y="8685213"/>
+            <a:ext cx="2971800" cy="458787"/>
+          </a:xfrm>
+          <a:prstGeom prst="rect">
+            <a:avLst/>
+          </a:prstGeom>
+        </p:spPr>
+        <p:txBody>
+          <a:bodyPr vert="horz" lIns="91440" tIns="45720" rIns="91440" bIns="45720" rtlCol="0" anchor="b"/>
+          <a:lstStyle>
+            <a:lvl1pPr algn="l">
+              <a:defRPr sz="1200"/>
+            </a:lvl1pPr>
+          </a:lstStyle>
+          <a:p>
+            <a:endParaRPr lang="zh-TW" altLang="en-US"/>
+          </a:p>
+        </p:txBody>
+      </p:sp>
+      <p:sp>
+        <p:nvSpPr>
+          <p:cNvPr id="7" name="投影片編號版面配置區 6"/>
+          <p:cNvSpPr>
+            <a:spLocks noGrp="1"/>
+          </p:cNvSpPr>
+          <p:nvPr>
+            <p:ph type="sldNum" sz="quarter" idx="5"/>
+          </p:nvPr>
+        </p:nvSpPr>
+        <p:spPr>
+          <a:xfrm>
+            <a:off x="3884613" y="8685213"/>
+            <a:ext cx="2971800" cy="458787"/>
+          </a:xfrm>
+          <a:prstGeom prst="rect">
+            <a:avLst/>
+          </a:prstGeom>
+        </p:spPr>
+        <p:txBody>
+          <a:bodyPr vert="horz" lIns="91440" tIns="45720" rIns="91440" bIns="45720" rtlCol="0" anchor="b"/>
+          <a:lstStyle>
+            <a:lvl1pPr algn="r">
+              <a:defRPr sz="1200"/>
+            </a:lvl1pPr>
+          </a:lstStyle>
+          <a:p>
+            <a:fld id="{B3F4C3EC-6799-467D-AB06-B9AA32C5244E}" type="slidenum">
+              <a:rPr lang="zh-TW" altLang="en-US" smtClean="0"/>
+              <a:t>‹#›</a:t>
+            </a:fld>
+            <a:endParaRPr lang="zh-TW" altLang="en-US"/>
+          </a:p>
+        </p:txBody>
+      </p:sp>
+    </p:spTree>
+    <p:extLst>
+      <p:ext uri="{BB962C8B-B14F-4D97-AF65-F5344CB8AC3E}">
+        <p14:creationId xmlns:p14="http://schemas.microsoft.com/office/powerpoint/2010/main" val="3922034641"/>
+      </p:ext>
+    </p:extLst>
+  </p:cSld>
+  <p:clrMap bg1="lt1" tx1="dk1" bg2="lt2" tx2="dk2" accent1="accent1" accent2="accent2" accent3="accent3" accent4="accent4" accent5="accent5" accent6="accent6" hlink="hlink" folHlink="folHlink"/>
+  <p:notesStyle>
+    <a:lvl1pPr marL="0" algn="l" defTabSz="914400" rtl="0" eaLnBrk="1" latinLnBrk="0" hangingPunct="1">
+      <a:defRPr sz="1200" kern="1200">
+        <a:solidFill>
+          <a:schemeClr val="tx1"/>
+        </a:solidFill>
+        <a:latin typeface="+mn-lt"/>
+        <a:ea typeface="+mn-ea"/>
+        <a:cs typeface="+mn-cs"/>
+      </a:defRPr>
+    </a:lvl1pPr>
+    <a:lvl2pPr marL="457200" algn="l" defTabSz="914400" rtl="0" eaLnBrk="1" latinLnBrk="0" hangingPunct="1">
+      <a:defRPr sz="1200" kern="1200">
+        <a:solidFill>
+          <a:schemeClr val="tx1"/>
+        </a:solidFill>
+        <a:latin typeface="+mn-lt"/>
+        <a:ea typeface="+mn-ea"/>
+        <a:cs typeface="+mn-cs"/>
+      </a:defRPr>
+    </a:lvl2pPr>
+    <a:lvl3pPr marL="914400" algn="l" defTabSz="914400" rtl="0" eaLnBrk="1" latinLnBrk="0" hangingPunct="1">
+      <a:defRPr sz="1200" kern="1200">
+        <a:solidFill>
+          <a:schemeClr val="tx1"/>
+        </a:solidFill>
+        <a:latin typeface="+mn-lt"/>
+        <a:ea typeface="+mn-ea"/>
+        <a:cs typeface="+mn-cs"/>
+      </a:defRPr>
+    </a:lvl3pPr>
+    <a:lvl4pPr marL="1371600" algn="l" defTabSz="914400" rtl="0" eaLnBrk="1" latinLnBrk="0" hangingPunct="1">
+      <a:defRPr sz="1200" kern="1200">
+        <a:solidFill>
+          <a:schemeClr val="tx1"/>
+        </a:solidFill>
+        <a:latin typeface="+mn-lt"/>
+        <a:ea typeface="+mn-ea"/>
+        <a:cs typeface="+mn-cs"/>
+      </a:defRPr>
+    </a:lvl4pPr>
+    <a:lvl5pPr marL="1828800" algn="l" defTabSz="914400" rtl="0" eaLnBrk="1" latinLnBrk="0" hangingPunct="1">
+      <a:defRPr sz="1200" kern="1200">
+        <a:solidFill>
+          <a:schemeClr val="tx1"/>
+        </a:solidFill>
+        <a:latin typeface="+mn-lt"/>
+        <a:ea typeface="+mn-ea"/>
+        <a:cs typeface="+mn-cs"/>
+      </a:defRPr>
+    </a:lvl5pPr>
+    <a:lvl6pPr marL="2286000" algn="l" defTabSz="914400" rtl="0" eaLnBrk="1" latinLnBrk="0" hangingPunct="1">
+      <a:defRPr sz="1200" kern="1200">
+        <a:solidFill>
+          <a:schemeClr val="tx1"/>
+        </a:solidFill>
+        <a:latin typeface="+mn-lt"/>
+        <a:ea typeface="+mn-ea"/>
+        <a:cs typeface="+mn-cs"/>
+      </a:defRPr>
+    </a:lvl6pPr>
+    <a:lvl7pPr marL="2743200" algn="l" defTabSz="914400" rtl="0" eaLnBrk="1" latinLnBrk="0" hangingPunct="1">
+      <a:defRPr sz="1200" kern="1200">
+        <a:solidFill>
+          <a:schemeClr val="tx1"/>
+        </a:solidFill>
+        <a:latin typeface="+mn-lt"/>
+        <a:ea typeface="+mn-ea"/>
+        <a:cs typeface="+mn-cs"/>
+      </a:defRPr>
+    </a:lvl7pPr>
+    <a:lvl8pPr marL="3200400" algn="l" defTabSz="914400" rtl="0" eaLnBrk="1" latinLnBrk="0" hangingPunct="1">
+      <a:defRPr sz="1200" kern="1200">
+        <a:solidFill>
+          <a:schemeClr val="tx1"/>
+        </a:solidFill>
+        <a:latin typeface="+mn-lt"/>
+        <a:ea typeface="+mn-ea"/>
+        <a:cs typeface="+mn-cs"/>
+      </a:defRPr>
+    </a:lvl8pPr>
+    <a:lvl9pPr marL="3657600" algn="l" defTabSz="914400" rtl="0" eaLnBrk="1" latinLnBrk="0" hangingPunct="1">
+      <a:defRPr sz="1200" kern="1200">
+        <a:solidFill>
+          <a:schemeClr val="tx1"/>
+        </a:solidFill>
+        <a:latin typeface="+mn-lt"/>
+        <a:ea typeface="+mn-ea"/>
+        <a:cs typeface="+mn-cs"/>
+      </a:defRPr>
+    </a:lvl9pPr>
+  </p:notesStyle>
+</p:notesMaster>
+</file>
+
+<file path=ppt/notesSlides/notesSlide1.xml><?xml version="1.0" encoding="utf-8"?>
+<p:notes xmlns:a="http://schemas.openxmlformats.org/drawingml/2006/main" xmlns:r="http://schemas.openxmlformats.org/officeDocument/2006/relationships" xmlns:p="http://schemas.openxmlformats.org/presentationml/2006/main">
+  <p:cSld>
+    <p:spTree>
+      <p:nvGrpSpPr>
+        <p:cNvPr id="1" name=""/>
+        <p:cNvGrpSpPr/>
+        <p:nvPr/>
+      </p:nvGrpSpPr>
+      <p:grpSpPr>
+        <a:xfrm>
+          <a:off x="0" y="0"/>
+          <a:ext cx="0" cy="0"/>
+          <a:chOff x="0" y="0"/>
+          <a:chExt cx="0" cy="0"/>
+        </a:xfrm>
+      </p:grpSpPr>
+      <p:sp>
+        <p:nvSpPr>
+          <p:cNvPr id="2" name="投影片影像版面配置區 1"/>
+          <p:cNvSpPr>
+            <a:spLocks noGrp="1" noRot="1" noChangeAspect="1"/>
+          </p:cNvSpPr>
+          <p:nvPr>
+            <p:ph type="sldImg"/>
+          </p:nvPr>
+        </p:nvSpPr>
+        <p:spPr/>
+      </p:sp>
+      <p:sp>
+        <p:nvSpPr>
+          <p:cNvPr id="3" name="備忘稿版面配置區 2"/>
+          <p:cNvSpPr>
+            <a:spLocks noGrp="1"/>
+          </p:cNvSpPr>
+          <p:nvPr>
+            <p:ph type="body" idx="1"/>
+          </p:nvPr>
+        </p:nvSpPr>
+        <p:spPr/>
+        <p:txBody>
+          <a:bodyPr/>
+          <a:lstStyle/>
+          <a:p>
+            <a:endParaRPr lang="zh-TW" altLang="en-US"/>
+          </a:p>
+        </p:txBody>
+      </p:sp>
+      <p:sp>
+        <p:nvSpPr>
+          <p:cNvPr id="4" name="投影片編號版面配置區 3"/>
+          <p:cNvSpPr>
+            <a:spLocks noGrp="1"/>
+          </p:cNvSpPr>
+          <p:nvPr>
+            <p:ph type="sldNum" sz="quarter" idx="5"/>
+          </p:nvPr>
+        </p:nvSpPr>
+        <p:spPr/>
+        <p:txBody>
+          <a:bodyPr/>
+          <a:lstStyle/>
+          <a:p>
+            <a:fld id="{B3F4C3EC-6799-467D-AB06-B9AA32C5244E}" type="slidenum">
+              <a:rPr lang="zh-TW" altLang="en-US" smtClean="0"/>
+              <a:t>11</a:t>
+            </a:fld>
+            <a:endParaRPr lang="zh-TW" altLang="en-US"/>
+          </a:p>
+        </p:txBody>
+      </p:sp>
+    </p:spTree>
+    <p:extLst>
+      <p:ext uri="{BB962C8B-B14F-4D97-AF65-F5344CB8AC3E}">
+        <p14:creationId xmlns:p14="http://schemas.microsoft.com/office/powerpoint/2010/main" val="3196190579"/>
+      </p:ext>
+    </p:extLst>
+  </p:cSld>
+  <p:clrMapOvr>
+    <a:masterClrMapping/>
+  </p:clrMapOvr>
+</p:notes>
 </file>
 
 <file path=ppt/slideLayouts/slideLayout1.xml><?xml version="1.0" encoding="utf-8"?>
@@ -3847,6 +4284,146 @@
 </p:sld>
 </file>
 
+<file path=ppt/slides/slide11.xml><?xml version="1.0" encoding="utf-8"?>
+<p:sld xmlns:a="http://schemas.openxmlformats.org/drawingml/2006/main" xmlns:r="http://schemas.openxmlformats.org/officeDocument/2006/relationships" xmlns:p="http://schemas.openxmlformats.org/presentationml/2006/main">
+  <p:cSld>
+    <p:spTree>
+      <p:nvGrpSpPr>
+        <p:cNvPr id="1" name=""/>
+        <p:cNvGrpSpPr/>
+        <p:nvPr/>
+      </p:nvGrpSpPr>
+      <p:grpSpPr>
+        <a:xfrm>
+          <a:off x="0" y="0"/>
+          <a:ext cx="0" cy="0"/>
+          <a:chOff x="0" y="0"/>
+          <a:chExt cx="0" cy="0"/>
+        </a:xfrm>
+      </p:grpSpPr>
+      <p:sp>
+        <p:nvSpPr>
+          <p:cNvPr id="2" name="標題 1">
+            <a:extLst>
+              <a:ext uri="{FF2B5EF4-FFF2-40B4-BE49-F238E27FC236}">
+                <a16:creationId xmlns:a16="http://schemas.microsoft.com/office/drawing/2014/main" id="{DA989E95-14F5-44F0-B144-663316A39498}"/>
+              </a:ext>
+            </a:extLst>
+          </p:cNvPr>
+          <p:cNvSpPr>
+            <a:spLocks noGrp="1"/>
+          </p:cNvSpPr>
+          <p:nvPr>
+            <p:ph type="title"/>
+          </p:nvPr>
+        </p:nvSpPr>
+        <p:spPr/>
+        <p:txBody>
+          <a:bodyPr/>
+          <a:lstStyle/>
+          <a:p>
+            <a:endParaRPr lang="zh-TW" altLang="en-US"/>
+          </a:p>
+        </p:txBody>
+      </p:sp>
+      <p:sp>
+        <p:nvSpPr>
+          <p:cNvPr id="3" name="內容版面配置區 2">
+            <a:extLst>
+              <a:ext uri="{FF2B5EF4-FFF2-40B4-BE49-F238E27FC236}">
+                <a16:creationId xmlns:a16="http://schemas.microsoft.com/office/drawing/2014/main" id="{31B2FDB6-8F2C-47D1-8891-13C6752FAE73}"/>
+              </a:ext>
+            </a:extLst>
+          </p:cNvPr>
+          <p:cNvSpPr>
+            <a:spLocks noGrp="1"/>
+          </p:cNvSpPr>
+          <p:nvPr>
+            <p:ph idx="1"/>
+          </p:nvPr>
+        </p:nvSpPr>
+        <p:spPr/>
+        <p:txBody>
+          <a:bodyPr/>
+          <a:lstStyle/>
+          <a:p>
+            <a:endParaRPr lang="zh-TW" altLang="en-US" dirty="0"/>
+          </a:p>
+        </p:txBody>
+      </p:sp>
+      <p:pic>
+        <p:nvPicPr>
+          <p:cNvPr id="4" name="圖片 3">
+            <a:extLst>
+              <a:ext uri="{FF2B5EF4-FFF2-40B4-BE49-F238E27FC236}">
+                <a16:creationId xmlns:a16="http://schemas.microsoft.com/office/drawing/2014/main" id="{C4D9079A-0B9B-4C44-8CA4-AA92205C4E50}"/>
+              </a:ext>
+            </a:extLst>
+          </p:cNvPr>
+          <p:cNvPicPr>
+            <a:picLocks noChangeAspect="1"/>
+          </p:cNvPicPr>
+          <p:nvPr/>
+        </p:nvPicPr>
+        <p:blipFill>
+          <a:blip r:embed="rId3"/>
+          <a:stretch>
+            <a:fillRect/>
+          </a:stretch>
+        </p:blipFill>
+        <p:spPr>
+          <a:xfrm>
+            <a:off x="2728442" y="2728815"/>
+            <a:ext cx="6735115" cy="1400370"/>
+          </a:xfrm>
+          <a:prstGeom prst="rect">
+            <a:avLst/>
+          </a:prstGeom>
+        </p:spPr>
+      </p:pic>
+      <p:pic>
+        <p:nvPicPr>
+          <p:cNvPr id="5" name="圖片 4">
+            <a:extLst>
+              <a:ext uri="{FF2B5EF4-FFF2-40B4-BE49-F238E27FC236}">
+                <a16:creationId xmlns:a16="http://schemas.microsoft.com/office/drawing/2014/main" id="{7BA7027F-65C1-4B13-B977-F63FEF760189}"/>
+              </a:ext>
+            </a:extLst>
+          </p:cNvPr>
+          <p:cNvPicPr>
+            <a:picLocks noChangeAspect="1"/>
+          </p:cNvPicPr>
+          <p:nvPr/>
+        </p:nvPicPr>
+        <p:blipFill>
+          <a:blip r:embed="rId4"/>
+          <a:stretch>
+            <a:fillRect/>
+          </a:stretch>
+        </p:blipFill>
+        <p:spPr>
+          <a:xfrm>
+            <a:off x="2837994" y="4476704"/>
+            <a:ext cx="6516009" cy="676369"/>
+          </a:xfrm>
+          <a:prstGeom prst="rect">
+            <a:avLst/>
+          </a:prstGeom>
+        </p:spPr>
+      </p:pic>
+    </p:spTree>
+    <p:extLst>
+      <p:ext uri="{BB962C8B-B14F-4D97-AF65-F5344CB8AC3E}">
+        <p14:creationId xmlns:p14="http://schemas.microsoft.com/office/powerpoint/2010/main" val="1325235960"/>
+      </p:ext>
+    </p:extLst>
+  </p:cSld>
+  <p:clrMapOvr>
+    <a:masterClrMapping/>
+  </p:clrMapOvr>
+</p:sld>
+</file>
+
 <file path=ppt/slides/slide2.xml><?xml version="1.0" encoding="utf-8"?>
 <p:sld xmlns:a="http://schemas.openxmlformats.org/drawingml/2006/main" xmlns:r="http://schemas.openxmlformats.org/officeDocument/2006/relationships" xmlns:p="http://schemas.openxmlformats.org/presentationml/2006/main">
   <p:cSld>
@@ -6246,4 +6823,299 @@
     </a:ext>
   </a:extLst>
 </a:theme>
+</file>
+
+<file path=ppt/theme/theme2.xml><?xml version="1.0" encoding="utf-8"?>
+<a:theme xmlns:a="http://schemas.openxmlformats.org/drawingml/2006/main" name="Office 佈景主題">
+  <a:themeElements>
+    <a:clrScheme name="Office">
+      <a:dk1>
+        <a:sysClr val="windowText" lastClr="000000"/>
+      </a:dk1>
+      <a:lt1>
+        <a:sysClr val="window" lastClr="FFFFFF"/>
+      </a:lt1>
+      <a:dk2>
+        <a:srgbClr val="44546A"/>
+      </a:dk2>
+      <a:lt2>
+        <a:srgbClr val="E7E6E6"/>
+      </a:lt2>
+      <a:accent1>
+        <a:srgbClr val="4472C4"/>
+      </a:accent1>
+      <a:accent2>
+        <a:srgbClr val="ED7D31"/>
+      </a:accent2>
+      <a:accent3>
+        <a:srgbClr val="A5A5A5"/>
+      </a:accent3>
+      <a:accent4>
+        <a:srgbClr val="FFC000"/>
+      </a:accent4>
+      <a:accent5>
+        <a:srgbClr val="5B9BD5"/>
+      </a:accent5>
+      <a:accent6>
+        <a:srgbClr val="70AD47"/>
+      </a:accent6>
+      <a:hlink>
+        <a:srgbClr val="0563C1"/>
+      </a:hlink>
+      <a:folHlink>
+        <a:srgbClr val="954F72"/>
+      </a:folHlink>
+    </a:clrScheme>
+    <a:fontScheme name="Office">
+      <a:majorFont>
+        <a:latin typeface="Calibri Light" panose="020F0302020204030204"/>
+        <a:ea typeface=""/>
+        <a:cs typeface=""/>
+        <a:font script="Jpan" typeface="游ゴシック Light"/>
+        <a:font script="Hang" typeface="맑은 고딕"/>
+        <a:font script="Hans" typeface="等线 Light"/>
+        <a:font script="Hant" typeface="新細明體"/>
+        <a:font script="Arab" typeface="Times New Roman"/>
+        <a:font script="Hebr" typeface="Times New Roman"/>
+        <a:font script="Thai" typeface="Angsana New"/>
+        <a:font script="Ethi" typeface="Nyala"/>
+        <a:font script="Beng" typeface="Vrinda"/>
+        <a:font script="Gujr" typeface="Shruti"/>
+        <a:font script="Khmr" typeface="MoolBoran"/>
+        <a:font script="Knda" typeface="Tunga"/>
+        <a:font script="Guru" typeface="Raavi"/>
+        <a:font script="Cans" typeface="Euphemia"/>
+        <a:font script="Cher" typeface="Plantagenet Cherokee"/>
+        <a:font script="Yiii" typeface="Microsoft Yi Baiti"/>
+        <a:font script="Tibt" typeface="Microsoft Himalaya"/>
+        <a:font script="Thaa" typeface="MV Boli"/>
+        <a:font script="Deva" typeface="Mangal"/>
+        <a:font script="Telu" typeface="Gautami"/>
+        <a:font script="Taml" typeface="Latha"/>
+        <a:font script="Syrc" typeface="Estrangelo Edessa"/>
+        <a:font script="Orya" typeface="Kalinga"/>
+        <a:font script="Mlym" typeface="Kartika"/>
+        <a:font script="Laoo" typeface="DokChampa"/>
+        <a:font script="Sinh" typeface="Iskoola Pota"/>
+        <a:font script="Mong" typeface="Mongolian Baiti"/>
+        <a:font script="Viet" typeface="Times New Roman"/>
+        <a:font script="Uigh" typeface="Microsoft Uighur"/>
+        <a:font script="Geor" typeface="Sylfaen"/>
+        <a:font script="Armn" typeface="Arial"/>
+        <a:font script="Bugi" typeface="Leelawadee UI"/>
+        <a:font script="Bopo" typeface="Microsoft JhengHei"/>
+        <a:font script="Java" typeface="Javanese Text"/>
+        <a:font script="Lisu" typeface="Segoe UI"/>
+        <a:font script="Mymr" typeface="Myanmar Text"/>
+        <a:font script="Nkoo" typeface="Ebrima"/>
+        <a:font script="Olck" typeface="Nirmala UI"/>
+        <a:font script="Osma" typeface="Ebrima"/>
+        <a:font script="Phag" typeface="Phagspa"/>
+        <a:font script="Syrn" typeface="Estrangelo Edessa"/>
+        <a:font script="Syrj" typeface="Estrangelo Edessa"/>
+        <a:font script="Syre" typeface="Estrangelo Edessa"/>
+        <a:font script="Sora" typeface="Nirmala UI"/>
+        <a:font script="Tale" typeface="Microsoft Tai Le"/>
+        <a:font script="Talu" typeface="Microsoft New Tai Lue"/>
+        <a:font script="Tfng" typeface="Ebrima"/>
+      </a:majorFont>
+      <a:minorFont>
+        <a:latin typeface="Calibri" panose="020F0502020204030204"/>
+        <a:ea typeface=""/>
+        <a:cs typeface=""/>
+        <a:font script="Jpan" typeface="游ゴシック"/>
+        <a:font script="Hang" typeface="맑은 고딕"/>
+        <a:font script="Hans" typeface="等线"/>
+        <a:font script="Hant" typeface="新細明體"/>
+        <a:font script="Arab" typeface="Arial"/>
+        <a:font script="Hebr" typeface="Arial"/>
+        <a:font script="Thai" typeface="Cordia New"/>
+        <a:font script="Ethi" typeface="Nyala"/>
+        <a:font script="Beng" typeface="Vrinda"/>
+        <a:font script="Gujr" typeface="Shruti"/>
+        <a:font script="Khmr" typeface="DaunPenh"/>
+        <a:font script="Knda" typeface="Tunga"/>
+        <a:font script="Guru" typeface="Raavi"/>
+        <a:font script="Cans" typeface="Euphemia"/>
+        <a:font script="Cher" typeface="Plantagenet Cherokee"/>
+        <a:font script="Yiii" typeface="Microsoft Yi Baiti"/>
+        <a:font script="Tibt" typeface="Microsoft Himalaya"/>
+        <a:font script="Thaa" typeface="MV Boli"/>
+        <a:font script="Deva" typeface="Mangal"/>
+        <a:font script="Telu" typeface="Gautami"/>
+        <a:font script="Taml" typeface="Latha"/>
+        <a:font script="Syrc" typeface="Estrangelo Edessa"/>
+        <a:font script="Orya" typeface="Kalinga"/>
+        <a:font script="Mlym" typeface="Kartika"/>
+        <a:font script="Laoo" typeface="DokChampa"/>
+        <a:font script="Sinh" typeface="Iskoola Pota"/>
+        <a:font script="Mong" typeface="Mongolian Baiti"/>
+        <a:font script="Viet" typeface="Arial"/>
+        <a:font script="Uigh" typeface="Microsoft Uighur"/>
+        <a:font script="Geor" typeface="Sylfaen"/>
+        <a:font script="Armn" typeface="Arial"/>
+        <a:font script="Bugi" typeface="Leelawadee UI"/>
+        <a:font script="Bopo" typeface="Microsoft JhengHei"/>
+        <a:font script="Java" typeface="Javanese Text"/>
+        <a:font script="Lisu" typeface="Segoe UI"/>
+        <a:font script="Mymr" typeface="Myanmar Text"/>
+        <a:font script="Nkoo" typeface="Ebrima"/>
+        <a:font script="Olck" typeface="Nirmala UI"/>
+        <a:font script="Osma" typeface="Ebrima"/>
+        <a:font script="Phag" typeface="Phagspa"/>
+        <a:font script="Syrn" typeface="Estrangelo Edessa"/>
+        <a:font script="Syrj" typeface="Estrangelo Edessa"/>
+        <a:font script="Syre" typeface="Estrangelo Edessa"/>
+        <a:font script="Sora" typeface="Nirmala UI"/>
+        <a:font script="Tale" typeface="Microsoft Tai Le"/>
+        <a:font script="Talu" typeface="Microsoft New Tai Lue"/>
+        <a:font script="Tfng" typeface="Ebrima"/>
+      </a:minorFont>
+    </a:fontScheme>
+    <a:fmtScheme name="Office">
+      <a:fillStyleLst>
+        <a:solidFill>
+          <a:schemeClr val="phClr"/>
+        </a:solidFill>
+        <a:gradFill rotWithShape="1">
+          <a:gsLst>
+            <a:gs pos="0">
+              <a:schemeClr val="phClr">
+                <a:lumMod val="110000"/>
+                <a:satMod val="105000"/>
+                <a:tint val="67000"/>
+              </a:schemeClr>
+            </a:gs>
+            <a:gs pos="50000">
+              <a:schemeClr val="phClr">
+                <a:lumMod val="105000"/>
+                <a:satMod val="103000"/>
+                <a:tint val="73000"/>
+              </a:schemeClr>
+            </a:gs>
+            <a:gs pos="100000">
+              <a:schemeClr val="phClr">
+                <a:lumMod val="105000"/>
+                <a:satMod val="109000"/>
+                <a:tint val="81000"/>
+              </a:schemeClr>
+            </a:gs>
+          </a:gsLst>
+          <a:lin ang="5400000" scaled="0"/>
+        </a:gradFill>
+        <a:gradFill rotWithShape="1">
+          <a:gsLst>
+            <a:gs pos="0">
+              <a:schemeClr val="phClr">
+                <a:satMod val="103000"/>
+                <a:lumMod val="102000"/>
+                <a:tint val="94000"/>
+              </a:schemeClr>
+            </a:gs>
+            <a:gs pos="50000">
+              <a:schemeClr val="phClr">
+                <a:satMod val="110000"/>
+                <a:lumMod val="100000"/>
+                <a:shade val="100000"/>
+              </a:schemeClr>
+            </a:gs>
+            <a:gs pos="100000">
+              <a:schemeClr val="phClr">
+                <a:lumMod val="99000"/>
+                <a:satMod val="120000"/>
+                <a:shade val="78000"/>
+              </a:schemeClr>
+            </a:gs>
+          </a:gsLst>
+          <a:lin ang="5400000" scaled="0"/>
+        </a:gradFill>
+      </a:fillStyleLst>
+      <a:lnStyleLst>
+        <a:ln w="6350" cap="flat" cmpd="sng" algn="ctr">
+          <a:solidFill>
+            <a:schemeClr val="phClr"/>
+          </a:solidFill>
+          <a:prstDash val="solid"/>
+          <a:miter lim="800000"/>
+        </a:ln>
+        <a:ln w="12700" cap="flat" cmpd="sng" algn="ctr">
+          <a:solidFill>
+            <a:schemeClr val="phClr"/>
+          </a:solidFill>
+          <a:prstDash val="solid"/>
+          <a:miter lim="800000"/>
+        </a:ln>
+        <a:ln w="19050" cap="flat" cmpd="sng" algn="ctr">
+          <a:solidFill>
+            <a:schemeClr val="phClr"/>
+          </a:solidFill>
+          <a:prstDash val="solid"/>
+          <a:miter lim="800000"/>
+        </a:ln>
+      </a:lnStyleLst>
+      <a:effectStyleLst>
+        <a:effectStyle>
+          <a:effectLst/>
+        </a:effectStyle>
+        <a:effectStyle>
+          <a:effectLst/>
+        </a:effectStyle>
+        <a:effectStyle>
+          <a:effectLst>
+            <a:outerShdw blurRad="57150" dist="19050" dir="5400000" algn="ctr" rotWithShape="0">
+              <a:srgbClr val="000000">
+                <a:alpha val="63000"/>
+              </a:srgbClr>
+            </a:outerShdw>
+          </a:effectLst>
+        </a:effectStyle>
+      </a:effectStyleLst>
+      <a:bgFillStyleLst>
+        <a:solidFill>
+          <a:schemeClr val="phClr"/>
+        </a:solidFill>
+        <a:solidFill>
+          <a:schemeClr val="phClr">
+            <a:tint val="95000"/>
+            <a:satMod val="170000"/>
+          </a:schemeClr>
+        </a:solidFill>
+        <a:gradFill rotWithShape="1">
+          <a:gsLst>
+            <a:gs pos="0">
+              <a:schemeClr val="phClr">
+                <a:tint val="93000"/>
+                <a:satMod val="150000"/>
+                <a:shade val="98000"/>
+                <a:lumMod val="102000"/>
+              </a:schemeClr>
+            </a:gs>
+            <a:gs pos="50000">
+              <a:schemeClr val="phClr">
+                <a:tint val="98000"/>
+                <a:satMod val="130000"/>
+                <a:shade val="90000"/>
+                <a:lumMod val="103000"/>
+              </a:schemeClr>
+            </a:gs>
+            <a:gs pos="100000">
+              <a:schemeClr val="phClr">
+                <a:shade val="63000"/>
+                <a:satMod val="120000"/>
+              </a:schemeClr>
+            </a:gs>
+          </a:gsLst>
+          <a:lin ang="5400000" scaled="0"/>
+        </a:gradFill>
+      </a:bgFillStyleLst>
+    </a:fmtScheme>
+  </a:themeElements>
+  <a:objectDefaults/>
+  <a:extraClrSchemeLst/>
+  <a:extLst>
+    <a:ext uri="{05A4C25C-085E-4340-85A3-A5531E510DB2}">
+      <thm15:themeFamily xmlns:thm15="http://schemas.microsoft.com/office/thememl/2012/main" name="Office Theme" id="{62F939B6-93AF-4DB8-9C6B-D6C7DFDC589F}" vid="{4A3C46E8-61CC-4603-A589-7422A47A8E4A}"/>
+    </a:ext>
+  </a:extLst>
+</a:theme>
 </file>